--- a/Presentation/Presentation.pptx
+++ b/Presentation/Presentation.pptx
@@ -22,11 +22,11 @@
     <p:sldId id="272" r:id="rId10"/>
     <p:sldId id="270" r:id="rId11"/>
     <p:sldId id="267" r:id="rId12"/>
-    <p:sldId id="264" r:id="rId13"/>
-    <p:sldId id="265" r:id="rId14"/>
-    <p:sldId id="271" r:id="rId15"/>
-    <p:sldId id="273" r:id="rId16"/>
-    <p:sldId id="274" r:id="rId17"/>
+    <p:sldId id="271" r:id="rId13"/>
+    <p:sldId id="273" r:id="rId14"/>
+    <p:sldId id="274" r:id="rId15"/>
+    <p:sldId id="264" r:id="rId16"/>
+    <p:sldId id="265" r:id="rId17"/>
     <p:sldId id="266" r:id="rId18"/>
     <p:sldId id="268" r:id="rId19"/>
     <p:sldId id="269" r:id="rId20"/>
@@ -4706,12 +4706,9 @@
             <a:pPr lvl="1"/>
             <a:r>
               <a:rPr lang="en-US" dirty="0" smtClean="0"/>
-              <a:t>stocknewsapi.com </a:t>
-            </a:r>
-            <a:r>
-              <a:rPr lang="en-US" dirty="0"/>
-              <a:t>and newsapi.org</a:t>
-            </a:r>
+              <a:t>newsapi.org</a:t>
+            </a:r>
+            <a:endParaRPr lang="en-US" dirty="0"/>
           </a:p>
           <a:p>
             <a:r>
@@ -5163,76 +5160,8 @@
           <a:p>
             <a:r>
               <a:rPr lang="en-US" dirty="0"/>
-              <a:t>Data for Analysis</a:t>
-            </a:r>
-          </a:p>
-        </p:txBody>
-      </p:sp>
-      <p:sp>
-        <p:nvSpPr>
-          <p:cNvPr id="3" name="Content Placeholder 2"/>
-          <p:cNvSpPr>
-            <a:spLocks noGrp="1"/>
-          </p:cNvSpPr>
-          <p:nvPr>
-            <p:ph idx="1"/>
-          </p:nvPr>
-        </p:nvSpPr>
-        <p:spPr>
-          <a:xfrm>
-            <a:off x="1477925" y="1765004"/>
-            <a:ext cx="5411972" cy="3581400"/>
-          </a:xfrm>
-        </p:spPr>
-        <p:txBody>
-          <a:bodyPr/>
-          <a:lstStyle/>
-          <a:p>
-            <a:r>
-              <a:rPr lang="en-US" dirty="0"/>
-              <a:t>Final </a:t>
-            </a:r>
-            <a:r>
-              <a:rPr lang="en-US" dirty="0" err="1"/>
-              <a:t>DataFrame</a:t>
-            </a:r>
-            <a:r>
-              <a:rPr lang="en-US" dirty="0"/>
-              <a:t>:</a:t>
-            </a:r>
-          </a:p>
-          <a:p>
-            <a:pPr lvl="1"/>
-            <a:r>
-              <a:rPr lang="en-US" dirty="0"/>
-              <a:t>Company Name</a:t>
-            </a:r>
-          </a:p>
-          <a:p>
-            <a:pPr lvl="1"/>
-            <a:r>
-              <a:rPr lang="en-US" dirty="0"/>
-              <a:t>Open Stock Price</a:t>
-            </a:r>
-          </a:p>
-          <a:p>
-            <a:pPr lvl="1"/>
-            <a:r>
-              <a:rPr lang="en-US" dirty="0"/>
-              <a:t>Date (period: sliding one month)</a:t>
-            </a:r>
-          </a:p>
-          <a:p>
-            <a:pPr lvl="1"/>
-            <a:r>
-              <a:rPr lang="en-US" dirty="0"/>
-              <a:t>Google Search Popularity </a:t>
-            </a:r>
-            <a:r>
-              <a:rPr lang="en-US" dirty="0" smtClean="0"/>
-              <a:t>Rates</a:t>
-            </a:r>
-            <a:endParaRPr lang="en-US" dirty="0"/>
+              <a:t>Visualization</a:t>
+            </a:r>
           </a:p>
         </p:txBody>
       </p:sp>
@@ -5307,43 +5236,14 @@
       </p:sp>
       <p:pic>
         <p:nvPicPr>
-          <p:cNvPr id="5" name="Picture 4"/>
-          <p:cNvPicPr>
-            <a:picLocks noChangeAspect="1"/>
-          </p:cNvPicPr>
-          <p:nvPr/>
-        </p:nvPicPr>
-        <p:blipFill rotWithShape="1">
-          <a:blip r:embed="rId2"/>
-          <a:srcRect l="630" t="-474" r="-630" b="47837"/>
-          <a:stretch/>
-        </p:blipFill>
-        <p:spPr>
-          <a:xfrm>
-            <a:off x="1371600" y="3953044"/>
-            <a:ext cx="10267950" cy="2050594"/>
-          </a:xfrm>
-          <a:prstGeom prst="rect">
-            <a:avLst/>
-          </a:prstGeom>
-        </p:spPr>
-      </p:pic>
-      <p:pic>
-        <p:nvPicPr>
-          <p:cNvPr id="9" name="Picture 8" descr="A picture containing indoor, person, text, table&#10;&#10;Description automatically generated">
-            <a:extLst>
-              <a:ext uri="{FF2B5EF4-FFF2-40B4-BE49-F238E27FC236}">
-                <a16:creationId xmlns:a16="http://schemas.microsoft.com/office/drawing/2014/main" id="{D4045F7C-5966-F840-958A-0062B86FCF91}"/>
-              </a:ext>
-            </a:extLst>
-          </p:cNvPr>
+          <p:cNvPr id="4" name="Picture 3"/>
           <p:cNvPicPr>
             <a:picLocks noChangeAspect="1"/>
           </p:cNvPicPr>
           <p:nvPr/>
         </p:nvPicPr>
         <p:blipFill>
-          <a:blip r:embed="rId3">
+          <a:blip r:embed="rId2" cstate="print">
             <a:extLst>
               <a:ext uri="{28A0092B-C50C-407E-A947-70E740481C1C}">
                 <a14:useLocalDpi xmlns:a14="http://schemas.microsoft.com/office/drawing/2010/main" val="0"/>
@@ -5356,31 +5256,48 @@
         </p:blipFill>
         <p:spPr>
           <a:xfrm>
-            <a:off x="7166699" y="1169548"/>
-            <a:ext cx="3529298" cy="2238374"/>
-          </a:xfrm>
-          <a:prstGeom prst="roundRect">
-            <a:avLst>
-              <a:gd name="adj" fmla="val 8594"/>
-            </a:avLst>
+            <a:off x="6554046" y="1563250"/>
+            <a:ext cx="5486411" cy="3657607"/>
+          </a:xfrm>
+          <a:prstGeom prst="rect">
+            <a:avLst/>
           </a:prstGeom>
-          <a:solidFill>
-            <a:srgbClr val="FFFFFF">
-              <a:shade val="85000"/>
-            </a:srgbClr>
-          </a:solidFill>
-          <a:ln>
-            <a:noFill/>
-          </a:ln>
-          <a:effectLst>
-            <a:reflection blurRad="12700" stA="38000" endPos="28000" dist="5000" dir="5400000" sy="-100000" algn="bl" rotWithShape="0"/>
-          </a:effectLst>
+        </p:spPr>
+      </p:pic>
+      <p:pic>
+        <p:nvPicPr>
+          <p:cNvPr id="5" name="Picture 4"/>
+          <p:cNvPicPr>
+            <a:picLocks noChangeAspect="1"/>
+          </p:cNvPicPr>
+          <p:nvPr/>
+        </p:nvPicPr>
+        <p:blipFill>
+          <a:blip r:embed="rId3" cstate="print">
+            <a:extLst>
+              <a:ext uri="{28A0092B-C50C-407E-A947-70E740481C1C}">
+                <a14:useLocalDpi xmlns:a14="http://schemas.microsoft.com/office/drawing/2010/main" val="0"/>
+              </a:ext>
+            </a:extLst>
+          </a:blip>
+          <a:stretch>
+            <a:fillRect/>
+          </a:stretch>
+        </p:blipFill>
+        <p:spPr>
+          <a:xfrm>
+            <a:off x="1126826" y="1563251"/>
+            <a:ext cx="5486411" cy="3657607"/>
+          </a:xfrm>
+          <a:prstGeom prst="rect">
+            <a:avLst/>
+          </a:prstGeom>
         </p:spPr>
       </p:pic>
     </p:spTree>
     <p:extLst>
       <p:ext uri="{BB962C8B-B14F-4D97-AF65-F5344CB8AC3E}">
-        <p14:creationId xmlns:p14="http://schemas.microsoft.com/office/powerpoint/2010/main" val="2970799426"/>
+        <p14:creationId xmlns:p14="http://schemas.microsoft.com/office/powerpoint/2010/main" val="3139016940"/>
       </p:ext>
     </p:extLst>
   </p:cSld>
@@ -5431,190 +5348,143 @@
           <a:p>
             <a:r>
               <a:rPr lang="en-US" dirty="0"/>
-              <a:t>Data for Statistical Model</a:t>
-            </a:r>
-          </a:p>
-        </p:txBody>
-      </p:sp>
-      <p:sp>
-        <p:nvSpPr>
-          <p:cNvPr id="3" name="Content Placeholder 2"/>
-          <p:cNvSpPr>
-            <a:spLocks noGrp="1"/>
-          </p:cNvSpPr>
-          <p:nvPr>
-            <p:ph idx="1"/>
-          </p:nvPr>
-        </p:nvSpPr>
-        <p:spPr>
-          <a:xfrm>
-            <a:off x="1408814" y="2399158"/>
-            <a:ext cx="4763386" cy="2557400"/>
-          </a:xfrm>
-        </p:spPr>
-        <p:txBody>
-          <a:bodyPr/>
-          <a:lstStyle/>
-          <a:p>
+              <a:t>Visualization</a:t>
+            </a:r>
+          </a:p>
+        </p:txBody>
+      </p:sp>
+      <p:sp>
+        <p:nvSpPr>
+          <p:cNvPr id="6" name="Footer Placeholder 5"/>
+          <p:cNvSpPr>
+            <a:spLocks noGrp="1"/>
+          </p:cNvSpPr>
+          <p:nvPr>
+            <p:ph type="ftr" sz="quarter" idx="11"/>
+          </p:nvPr>
+        </p:nvSpPr>
+        <p:spPr/>
+        <p:txBody>
+          <a:bodyPr/>
+          <a:lstStyle/>
+          <a:p>
+            <a:pPr algn="ctr"/>
             <a:r>
               <a:rPr lang="en-US" dirty="0"/>
-              <a:t>Dependent variable:</a:t>
-            </a:r>
-          </a:p>
-          <a:p>
-            <a:pPr lvl="1"/>
-            <a:r>
-              <a:rPr lang="en-US" dirty="0"/>
-              <a:t>Open Stock Price</a:t>
-            </a:r>
-          </a:p>
-          <a:p>
-            <a:r>
-              <a:rPr lang="en-US" dirty="0"/>
-              <a:t>Independent variables:</a:t>
-            </a:r>
-          </a:p>
-          <a:p>
-            <a:pPr lvl="1"/>
-            <a:r>
-              <a:rPr lang="en-US" dirty="0"/>
-              <a:t>Google Search Popularity Rate</a:t>
-            </a:r>
-          </a:p>
-          <a:p>
-            <a:pPr lvl="1"/>
-            <a:r>
-              <a:rPr lang="en-US" dirty="0"/>
-              <a:t>Twitter Sentiments (3 predictors)</a:t>
-            </a:r>
-          </a:p>
-          <a:p>
-            <a:pPr lvl="1"/>
-            <a:r>
-              <a:rPr lang="en-US" dirty="0"/>
-              <a:t>News Sentiments (3 predictors)</a:t>
-            </a:r>
-          </a:p>
-          <a:p>
-            <a:pPr lvl="1"/>
-            <a:endParaRPr lang="en-US" dirty="0"/>
+              <a:t>UC Berkeley Data Analytics Boot Camp</a:t>
+            </a:r>
+          </a:p>
+        </p:txBody>
+      </p:sp>
+      <p:sp>
+        <p:nvSpPr>
+          <p:cNvPr id="7" name="Date Placeholder 6"/>
+          <p:cNvSpPr>
+            <a:spLocks noGrp="1"/>
+          </p:cNvSpPr>
+          <p:nvPr>
+            <p:ph type="dt" sz="half" idx="10"/>
+          </p:nvPr>
+        </p:nvSpPr>
+        <p:spPr/>
+        <p:txBody>
+          <a:bodyPr/>
+          <a:lstStyle/>
+          <a:p>
+            <a:r>
+              <a:rPr lang="en-US"/>
+              <a:t>4/4/2019</a:t>
+            </a:r>
+          </a:p>
+        </p:txBody>
+      </p:sp>
+      <p:sp>
+        <p:nvSpPr>
+          <p:cNvPr id="8" name="Slide Number Placeholder 7"/>
+          <p:cNvSpPr>
+            <a:spLocks noGrp="1"/>
+          </p:cNvSpPr>
+          <p:nvPr>
+            <p:ph type="sldNum" sz="quarter" idx="12"/>
+          </p:nvPr>
+        </p:nvSpPr>
+        <p:spPr/>
+        <p:txBody>
+          <a:bodyPr/>
+          <a:lstStyle/>
+          <a:p>
+            <a:fld id="{01C2FAFE-06B9-47BB-AC14-55FCFD711C00}" type="slidenum">
+              <a:rPr lang="en-US" smtClean="0"/>
+              <a:t>13</a:t>
+            </a:fld>
+            <a:endParaRPr lang="en-US"/>
           </a:p>
         </p:txBody>
       </p:sp>
       <p:pic>
         <p:nvPicPr>
-          <p:cNvPr id="9224" name="Picture 8" descr="Related image"/>
+          <p:cNvPr id="3" name="Picture 2"/>
           <p:cNvPicPr>
-            <a:picLocks noChangeAspect="1" noChangeArrowheads="1"/>
+            <a:picLocks noChangeAspect="1"/>
           </p:cNvPicPr>
           <p:nvPr/>
         </p:nvPicPr>
         <p:blipFill>
-          <a:blip r:embed="rId2">
+          <a:blip r:embed="rId2" cstate="print">
             <a:extLst>
               <a:ext uri="{28A0092B-C50C-407E-A947-70E740481C1C}">
                 <a14:useLocalDpi xmlns:a14="http://schemas.microsoft.com/office/drawing/2010/main" val="0"/>
               </a:ext>
             </a:extLst>
           </a:blip>
-          <a:srcRect/>
           <a:stretch>
             <a:fillRect/>
           </a:stretch>
         </p:blipFill>
-        <p:spPr bwMode="auto">
-          <a:xfrm>
-            <a:off x="7495668" y="1863510"/>
-            <a:ext cx="3357451" cy="3357451"/>
+        <p:spPr>
+          <a:xfrm>
+            <a:off x="1136067" y="1701796"/>
+            <a:ext cx="5486411" cy="3657607"/>
           </a:xfrm>
           <a:prstGeom prst="rect">
             <a:avLst/>
           </a:prstGeom>
-          <a:noFill/>
-          <a:extLst>
-            <a:ext uri="{909E8E84-426E-40DD-AFC4-6F175D3DCCD1}">
-              <a14:hiddenFill xmlns:a14="http://schemas.microsoft.com/office/drawing/2010/main">
-                <a:solidFill>
-                  <a:srgbClr val="FFFFFF"/>
-                </a:solidFill>
-              </a14:hiddenFill>
-            </a:ext>
-          </a:extLst>
         </p:spPr>
       </p:pic>
-      <p:sp>
-        <p:nvSpPr>
-          <p:cNvPr id="6" name="Footer Placeholder 5"/>
-          <p:cNvSpPr>
-            <a:spLocks noGrp="1"/>
-          </p:cNvSpPr>
-          <p:nvPr>
-            <p:ph type="ftr" sz="quarter" idx="11"/>
-          </p:nvPr>
-        </p:nvSpPr>
-        <p:spPr/>
-        <p:txBody>
-          <a:bodyPr/>
-          <a:lstStyle/>
-          <a:p>
-            <a:pPr algn="ctr"/>
-            <a:r>
-              <a:rPr lang="en-US"/>
-              <a:t>UC Berkeley Data Analytics Boot Camp</a:t>
-            </a:r>
-            <a:endParaRPr lang="en-US" dirty="0"/>
-          </a:p>
-        </p:txBody>
-      </p:sp>
-      <p:sp>
-        <p:nvSpPr>
-          <p:cNvPr id="7" name="Date Placeholder 6"/>
-          <p:cNvSpPr>
-            <a:spLocks noGrp="1"/>
-          </p:cNvSpPr>
-          <p:nvPr>
-            <p:ph type="dt" sz="half" idx="10"/>
-          </p:nvPr>
-        </p:nvSpPr>
-        <p:spPr/>
-        <p:txBody>
-          <a:bodyPr/>
-          <a:lstStyle/>
-          <a:p>
-            <a:r>
-              <a:rPr lang="en-US"/>
-              <a:t>4/4/2019</a:t>
-            </a:r>
-          </a:p>
-        </p:txBody>
-      </p:sp>
-      <p:sp>
-        <p:nvSpPr>
-          <p:cNvPr id="8" name="Slide Number Placeholder 7"/>
-          <p:cNvSpPr>
-            <a:spLocks noGrp="1"/>
-          </p:cNvSpPr>
-          <p:nvPr>
-            <p:ph type="sldNum" sz="quarter" idx="12"/>
-          </p:nvPr>
-        </p:nvSpPr>
-        <p:spPr/>
-        <p:txBody>
-          <a:bodyPr/>
-          <a:lstStyle/>
-          <a:p>
-            <a:fld id="{01C2FAFE-06B9-47BB-AC14-55FCFD711C00}" type="slidenum">
-              <a:rPr lang="en-US" smtClean="0"/>
-              <a:t>13</a:t>
-            </a:fld>
-            <a:endParaRPr lang="en-US"/>
-          </a:p>
-        </p:txBody>
-      </p:sp>
+      <p:pic>
+        <p:nvPicPr>
+          <p:cNvPr id="9" name="Picture 8"/>
+          <p:cNvPicPr>
+            <a:picLocks noChangeAspect="1"/>
+          </p:cNvPicPr>
+          <p:nvPr/>
+        </p:nvPicPr>
+        <p:blipFill>
+          <a:blip r:embed="rId3" cstate="print">
+            <a:extLst>
+              <a:ext uri="{28A0092B-C50C-407E-A947-70E740481C1C}">
+                <a14:useLocalDpi xmlns:a14="http://schemas.microsoft.com/office/drawing/2010/main" val="0"/>
+              </a:ext>
+            </a:extLst>
+          </a:blip>
+          <a:stretch>
+            <a:fillRect/>
+          </a:stretch>
+        </p:blipFill>
+        <p:spPr>
+          <a:xfrm>
+            <a:off x="6431188" y="1701795"/>
+            <a:ext cx="5486411" cy="3657607"/>
+          </a:xfrm>
+          <a:prstGeom prst="rect">
+            <a:avLst/>
+          </a:prstGeom>
+        </p:spPr>
+      </p:pic>
     </p:spTree>
     <p:extLst>
       <p:ext uri="{BB962C8B-B14F-4D97-AF65-F5344CB8AC3E}">
-        <p14:creationId xmlns:p14="http://schemas.microsoft.com/office/powerpoint/2010/main" val="3066210643"/>
+        <p14:creationId xmlns:p14="http://schemas.microsoft.com/office/powerpoint/2010/main" val="1957913465"/>
       </p:ext>
     </p:extLst>
   </p:cSld>
@@ -5687,10 +5557,9 @@
           <a:p>
             <a:pPr algn="ctr"/>
             <a:r>
-              <a:rPr lang="en-US"/>
+              <a:rPr lang="en-US" dirty="0"/>
               <a:t>UC Berkeley Data Analytics Boot Camp</a:t>
             </a:r>
-            <a:endParaRPr lang="en-US" dirty="0"/>
           </a:p>
         </p:txBody>
       </p:sp>
@@ -5761,7 +5630,7 @@
         </p:blipFill>
         <p:spPr>
           <a:xfrm>
-            <a:off x="6554046" y="1563250"/>
+            <a:off x="1200721" y="1738741"/>
             <a:ext cx="5486411" cy="3657607"/>
           </a:xfrm>
           <a:prstGeom prst="rect">
@@ -5791,7 +5660,7 @@
         </p:blipFill>
         <p:spPr>
           <a:xfrm>
-            <a:off x="1126826" y="1563251"/>
+            <a:off x="6431188" y="1738740"/>
             <a:ext cx="5486411" cy="3657607"/>
           </a:xfrm>
           <a:prstGeom prst="rect">
@@ -5802,7 +5671,7 @@
     </p:spTree>
     <p:extLst>
       <p:ext uri="{BB962C8B-B14F-4D97-AF65-F5344CB8AC3E}">
-        <p14:creationId xmlns:p14="http://schemas.microsoft.com/office/powerpoint/2010/main" val="3139016940"/>
+        <p14:creationId xmlns:p14="http://schemas.microsoft.com/office/powerpoint/2010/main" val="1780853785"/>
       </p:ext>
     </p:extLst>
   </p:cSld>
@@ -5853,8 +5722,44 @@
           <a:p>
             <a:r>
               <a:rPr lang="en-US" dirty="0"/>
-              <a:t>Visualization</a:t>
-            </a:r>
+              <a:t>Data for Analysis</a:t>
+            </a:r>
+          </a:p>
+        </p:txBody>
+      </p:sp>
+      <p:sp>
+        <p:nvSpPr>
+          <p:cNvPr id="3" name="Content Placeholder 2"/>
+          <p:cNvSpPr>
+            <a:spLocks noGrp="1"/>
+          </p:cNvSpPr>
+          <p:nvPr>
+            <p:ph idx="1"/>
+          </p:nvPr>
+        </p:nvSpPr>
+        <p:spPr>
+          <a:xfrm>
+            <a:off x="1477925" y="1765004"/>
+            <a:ext cx="5411972" cy="664160"/>
+          </a:xfrm>
+        </p:spPr>
+        <p:txBody>
+          <a:bodyPr/>
+          <a:lstStyle/>
+          <a:p>
+            <a:r>
+              <a:rPr lang="en-US" dirty="0"/>
+              <a:t>Final </a:t>
+            </a:r>
+            <a:r>
+              <a:rPr lang="en-US" dirty="0" err="1"/>
+              <a:t>DataFrame</a:t>
+            </a:r>
+            <a:r>
+              <a:rPr lang="en-US" dirty="0" smtClean="0"/>
+              <a:t>:</a:t>
+            </a:r>
+            <a:endParaRPr lang="en-US" dirty="0"/>
           </a:p>
         </p:txBody>
       </p:sp>
@@ -5875,9 +5780,10 @@
           <a:p>
             <a:pPr algn="ctr"/>
             <a:r>
-              <a:rPr lang="en-US" dirty="0"/>
+              <a:rPr lang="en-US"/>
               <a:t>UC Berkeley Data Analytics Boot Camp</a:t>
             </a:r>
+            <a:endParaRPr lang="en-US" dirty="0"/>
           </a:p>
         </p:txBody>
       </p:sp>
@@ -5928,58 +5834,22 @@
       </p:sp>
       <p:pic>
         <p:nvPicPr>
-          <p:cNvPr id="3" name="Picture 2"/>
+          <p:cNvPr id="11" name="Picture 10"/>
           <p:cNvPicPr>
             <a:picLocks noChangeAspect="1"/>
           </p:cNvPicPr>
           <p:nvPr/>
         </p:nvPicPr>
         <p:blipFill>
-          <a:blip r:embed="rId2" cstate="print">
-            <a:extLst>
-              <a:ext uri="{28A0092B-C50C-407E-A947-70E740481C1C}">
-                <a14:useLocalDpi xmlns:a14="http://schemas.microsoft.com/office/drawing/2010/main" val="0"/>
-              </a:ext>
-            </a:extLst>
-          </a:blip>
+          <a:blip r:embed="rId2"/>
           <a:stretch>
             <a:fillRect/>
           </a:stretch>
         </p:blipFill>
         <p:spPr>
           <a:xfrm>
-            <a:off x="1136067" y="1701796"/>
-            <a:ext cx="5486411" cy="3657607"/>
-          </a:xfrm>
-          <a:prstGeom prst="rect">
-            <a:avLst/>
-          </a:prstGeom>
-        </p:spPr>
-      </p:pic>
-      <p:pic>
-        <p:nvPicPr>
-          <p:cNvPr id="9" name="Picture 8"/>
-          <p:cNvPicPr>
-            <a:picLocks noChangeAspect="1"/>
-          </p:cNvPicPr>
-          <p:nvPr/>
-        </p:nvPicPr>
-        <p:blipFill>
-          <a:blip r:embed="rId3" cstate="print">
-            <a:extLst>
-              <a:ext uri="{28A0092B-C50C-407E-A947-70E740481C1C}">
-                <a14:useLocalDpi xmlns:a14="http://schemas.microsoft.com/office/drawing/2010/main" val="0"/>
-              </a:ext>
-            </a:extLst>
-          </a:blip>
-          <a:stretch>
-            <a:fillRect/>
-          </a:stretch>
-        </p:blipFill>
-        <p:spPr>
-          <a:xfrm>
-            <a:off x="6431188" y="1701795"/>
-            <a:ext cx="5486411" cy="3657607"/>
+            <a:off x="1371600" y="2641598"/>
+            <a:ext cx="10061668" cy="2732916"/>
           </a:xfrm>
           <a:prstGeom prst="rect">
             <a:avLst/>
@@ -5989,7 +5859,7 @@
     </p:spTree>
     <p:extLst>
       <p:ext uri="{BB962C8B-B14F-4D97-AF65-F5344CB8AC3E}">
-        <p14:creationId xmlns:p14="http://schemas.microsoft.com/office/powerpoint/2010/main" val="1957913465"/>
+        <p14:creationId xmlns:p14="http://schemas.microsoft.com/office/powerpoint/2010/main" val="2970799426"/>
       </p:ext>
     </p:extLst>
   </p:cSld>
@@ -6040,143 +5910,201 @@
           <a:p>
             <a:r>
               <a:rPr lang="en-US" dirty="0"/>
-              <a:t>Visualization</a:t>
-            </a:r>
-          </a:p>
-        </p:txBody>
-      </p:sp>
-      <p:sp>
-        <p:nvSpPr>
-          <p:cNvPr id="6" name="Footer Placeholder 5"/>
-          <p:cNvSpPr>
-            <a:spLocks noGrp="1"/>
-          </p:cNvSpPr>
-          <p:nvPr>
-            <p:ph type="ftr" sz="quarter" idx="11"/>
-          </p:nvPr>
-        </p:nvSpPr>
-        <p:spPr/>
-        <p:txBody>
-          <a:bodyPr/>
-          <a:lstStyle/>
-          <a:p>
-            <a:pPr algn="ctr"/>
+              <a:t>Data for Statistical Model</a:t>
+            </a:r>
+          </a:p>
+        </p:txBody>
+      </p:sp>
+      <p:sp>
+        <p:nvSpPr>
+          <p:cNvPr id="3" name="Content Placeholder 2"/>
+          <p:cNvSpPr>
+            <a:spLocks noGrp="1"/>
+          </p:cNvSpPr>
+          <p:nvPr>
+            <p:ph idx="1"/>
+          </p:nvPr>
+        </p:nvSpPr>
+        <p:spPr>
+          <a:xfrm>
+            <a:off x="1408814" y="2399158"/>
+            <a:ext cx="4763386" cy="2557400"/>
+          </a:xfrm>
+        </p:spPr>
+        <p:txBody>
+          <a:bodyPr>
+            <a:normAutofit lnSpcReduction="10000"/>
+          </a:bodyPr>
+          <a:lstStyle/>
+          <a:p>
             <a:r>
               <a:rPr lang="en-US" dirty="0"/>
-              <a:t>UC Berkeley Data Analytics Boot Camp</a:t>
-            </a:r>
-          </a:p>
-        </p:txBody>
-      </p:sp>
-      <p:sp>
-        <p:nvSpPr>
-          <p:cNvPr id="7" name="Date Placeholder 6"/>
-          <p:cNvSpPr>
-            <a:spLocks noGrp="1"/>
-          </p:cNvSpPr>
-          <p:nvPr>
-            <p:ph type="dt" sz="half" idx="10"/>
-          </p:nvPr>
-        </p:nvSpPr>
-        <p:spPr/>
-        <p:txBody>
-          <a:bodyPr/>
-          <a:lstStyle/>
-          <a:p>
-            <a:r>
-              <a:rPr lang="en-US"/>
-              <a:t>4/4/2019</a:t>
-            </a:r>
-          </a:p>
-        </p:txBody>
-      </p:sp>
-      <p:sp>
-        <p:nvSpPr>
-          <p:cNvPr id="8" name="Slide Number Placeholder 7"/>
-          <p:cNvSpPr>
-            <a:spLocks noGrp="1"/>
-          </p:cNvSpPr>
-          <p:nvPr>
-            <p:ph type="sldNum" sz="quarter" idx="12"/>
-          </p:nvPr>
-        </p:nvSpPr>
-        <p:spPr/>
-        <p:txBody>
-          <a:bodyPr/>
-          <a:lstStyle/>
-          <a:p>
-            <a:fld id="{01C2FAFE-06B9-47BB-AC14-55FCFD711C00}" type="slidenum">
-              <a:rPr lang="en-US" smtClean="0"/>
-              <a:t>16</a:t>
-            </a:fld>
-            <a:endParaRPr lang="en-US"/>
+              <a:t>Dependent variable:</a:t>
+            </a:r>
+          </a:p>
+          <a:p>
+            <a:pPr lvl="1"/>
+            <a:r>
+              <a:rPr lang="en-US" dirty="0"/>
+              <a:t>Open Stock Price</a:t>
+            </a:r>
+          </a:p>
+          <a:p>
+            <a:r>
+              <a:rPr lang="en-US" dirty="0"/>
+              <a:t>Independent variables:</a:t>
+            </a:r>
+          </a:p>
+          <a:p>
+            <a:pPr lvl="1"/>
+            <a:r>
+              <a:rPr lang="en-US" dirty="0"/>
+              <a:t>Google Search Popularity </a:t>
+            </a:r>
+            <a:r>
+              <a:rPr lang="en-US" dirty="0" smtClean="0"/>
+              <a:t>Rate</a:t>
+            </a:r>
+          </a:p>
+          <a:p>
+            <a:pPr lvl="1"/>
+            <a:r>
+              <a:rPr lang="en-US" dirty="0" smtClean="0"/>
+              <a:t>Total Tweets</a:t>
+            </a:r>
+            <a:endParaRPr lang="en-US" dirty="0"/>
+          </a:p>
+          <a:p>
+            <a:pPr lvl="1"/>
+            <a:r>
+              <a:rPr lang="en-US" dirty="0"/>
+              <a:t>Twitter Sentiments (3 predictors)</a:t>
+            </a:r>
+          </a:p>
+          <a:p>
+            <a:pPr lvl="1"/>
+            <a:r>
+              <a:rPr lang="en-US" dirty="0" smtClean="0"/>
+              <a:t>Total News (per day)</a:t>
+            </a:r>
+            <a:endParaRPr lang="en-US" dirty="0"/>
           </a:p>
         </p:txBody>
       </p:sp>
       <p:pic>
         <p:nvPicPr>
-          <p:cNvPr id="4" name="Picture 3"/>
+          <p:cNvPr id="9224" name="Picture 8" descr="Related image"/>
           <p:cNvPicPr>
-            <a:picLocks noChangeAspect="1"/>
+            <a:picLocks noChangeAspect="1" noChangeArrowheads="1"/>
           </p:cNvPicPr>
           <p:nvPr/>
         </p:nvPicPr>
         <p:blipFill>
-          <a:blip r:embed="rId2" cstate="print">
+          <a:blip r:embed="rId2">
             <a:extLst>
               <a:ext uri="{28A0092B-C50C-407E-A947-70E740481C1C}">
                 <a14:useLocalDpi xmlns:a14="http://schemas.microsoft.com/office/drawing/2010/main" val="0"/>
               </a:ext>
             </a:extLst>
           </a:blip>
+          <a:srcRect/>
           <a:stretch>
             <a:fillRect/>
           </a:stretch>
         </p:blipFill>
-        <p:spPr>
-          <a:xfrm>
-            <a:off x="1200721" y="1738741"/>
-            <a:ext cx="5486411" cy="3657607"/>
+        <p:spPr bwMode="auto">
+          <a:xfrm>
+            <a:off x="7495668" y="1863510"/>
+            <a:ext cx="3357451" cy="3357451"/>
           </a:xfrm>
           <a:prstGeom prst="rect">
             <a:avLst/>
           </a:prstGeom>
+          <a:noFill/>
+          <a:extLst>
+            <a:ext uri="{909E8E84-426E-40DD-AFC4-6F175D3DCCD1}">
+              <a14:hiddenFill xmlns:a14="http://schemas.microsoft.com/office/drawing/2010/main">
+                <a:solidFill>
+                  <a:srgbClr val="FFFFFF"/>
+                </a:solidFill>
+              </a14:hiddenFill>
+            </a:ext>
+          </a:extLst>
         </p:spPr>
       </p:pic>
-      <p:pic>
-        <p:nvPicPr>
-          <p:cNvPr id="5" name="Picture 4"/>
-          <p:cNvPicPr>
-            <a:picLocks noChangeAspect="1"/>
-          </p:cNvPicPr>
-          <p:nvPr/>
-        </p:nvPicPr>
-        <p:blipFill>
-          <a:blip r:embed="rId3" cstate="print">
-            <a:extLst>
-              <a:ext uri="{28A0092B-C50C-407E-A947-70E740481C1C}">
-                <a14:useLocalDpi xmlns:a14="http://schemas.microsoft.com/office/drawing/2010/main" val="0"/>
-              </a:ext>
-            </a:extLst>
-          </a:blip>
-          <a:stretch>
-            <a:fillRect/>
-          </a:stretch>
-        </p:blipFill>
-        <p:spPr>
-          <a:xfrm>
-            <a:off x="6431188" y="1738740"/>
-            <a:ext cx="5486411" cy="3657607"/>
-          </a:xfrm>
-          <a:prstGeom prst="rect">
-            <a:avLst/>
-          </a:prstGeom>
-        </p:spPr>
-      </p:pic>
+      <p:sp>
+        <p:nvSpPr>
+          <p:cNvPr id="6" name="Footer Placeholder 5"/>
+          <p:cNvSpPr>
+            <a:spLocks noGrp="1"/>
+          </p:cNvSpPr>
+          <p:nvPr>
+            <p:ph type="ftr" sz="quarter" idx="11"/>
+          </p:nvPr>
+        </p:nvSpPr>
+        <p:spPr/>
+        <p:txBody>
+          <a:bodyPr/>
+          <a:lstStyle/>
+          <a:p>
+            <a:pPr algn="ctr"/>
+            <a:r>
+              <a:rPr lang="en-US"/>
+              <a:t>UC Berkeley Data Analytics Boot Camp</a:t>
+            </a:r>
+            <a:endParaRPr lang="en-US" dirty="0"/>
+          </a:p>
+        </p:txBody>
+      </p:sp>
+      <p:sp>
+        <p:nvSpPr>
+          <p:cNvPr id="7" name="Date Placeholder 6"/>
+          <p:cNvSpPr>
+            <a:spLocks noGrp="1"/>
+          </p:cNvSpPr>
+          <p:nvPr>
+            <p:ph type="dt" sz="half" idx="10"/>
+          </p:nvPr>
+        </p:nvSpPr>
+        <p:spPr/>
+        <p:txBody>
+          <a:bodyPr/>
+          <a:lstStyle/>
+          <a:p>
+            <a:r>
+              <a:rPr lang="en-US"/>
+              <a:t>4/4/2019</a:t>
+            </a:r>
+          </a:p>
+        </p:txBody>
+      </p:sp>
+      <p:sp>
+        <p:nvSpPr>
+          <p:cNvPr id="8" name="Slide Number Placeholder 7"/>
+          <p:cNvSpPr>
+            <a:spLocks noGrp="1"/>
+          </p:cNvSpPr>
+          <p:nvPr>
+            <p:ph type="sldNum" sz="quarter" idx="12"/>
+          </p:nvPr>
+        </p:nvSpPr>
+        <p:spPr/>
+        <p:txBody>
+          <a:bodyPr/>
+          <a:lstStyle/>
+          <a:p>
+            <a:fld id="{01C2FAFE-06B9-47BB-AC14-55FCFD711C00}" type="slidenum">
+              <a:rPr lang="en-US" smtClean="0"/>
+              <a:t>16</a:t>
+            </a:fld>
+            <a:endParaRPr lang="en-US"/>
+          </a:p>
+        </p:txBody>
+      </p:sp>
     </p:spTree>
     <p:extLst>
       <p:ext uri="{BB962C8B-B14F-4D97-AF65-F5344CB8AC3E}">
-        <p14:creationId xmlns:p14="http://schemas.microsoft.com/office/powerpoint/2010/main" val="1780853785"/>
+        <p14:creationId xmlns:p14="http://schemas.microsoft.com/office/powerpoint/2010/main" val="3066210643"/>
       </p:ext>
     </p:extLst>
   </p:cSld>
@@ -6559,34 +6487,29 @@
       </p:sp>
       <p:pic>
         <p:nvPicPr>
-          <p:cNvPr id="9" name="Picture 8" descr="A person posing for a picture&#10;&#10;Description automatically generated">
-            <a:extLst>
-              <a:ext uri="{FF2B5EF4-FFF2-40B4-BE49-F238E27FC236}">
-                <a16:creationId xmlns:a16="http://schemas.microsoft.com/office/drawing/2014/main" id="{DE79E2E0-193D-BC40-8B2D-8178FA2A876C}"/>
-              </a:ext>
-            </a:extLst>
-          </p:cNvPr>
+          <p:cNvPr id="1026" name="Picture 2" descr="Image result for conclusion"/>
           <p:cNvPicPr>
-            <a:picLocks noChangeAspect="1"/>
+            <a:picLocks noChangeAspect="1" noChangeArrowheads="1"/>
           </p:cNvPicPr>
           <p:nvPr/>
         </p:nvPicPr>
         <p:blipFill>
-          <a:blip r:embed="rId2">
+          <a:blip r:embed="rId2" cstate="print">
             <a:extLst>
               <a:ext uri="{28A0092B-C50C-407E-A947-70E740481C1C}">
                 <a14:useLocalDpi xmlns:a14="http://schemas.microsoft.com/office/drawing/2010/main" val="0"/>
               </a:ext>
             </a:extLst>
           </a:blip>
+          <a:srcRect/>
           <a:stretch>
             <a:fillRect/>
           </a:stretch>
         </p:blipFill>
-        <p:spPr>
-          <a:xfrm>
-            <a:off x="7675569" y="2171700"/>
-            <a:ext cx="3858930" cy="2715544"/>
+        <p:spPr bwMode="auto">
+          <a:xfrm>
+            <a:off x="7974089" y="2171700"/>
+            <a:ext cx="3376680" cy="2701344"/>
           </a:xfrm>
           <a:prstGeom prst="roundRect">
             <a:avLst>
@@ -6601,7 +6524,18 @@
           <a:ln>
             <a:noFill/>
           </a:ln>
-          <a:effectLst/>
+          <a:effectLst>
+            <a:reflection blurRad="12700" stA="38000" endPos="28000" dist="5000" dir="5400000" sy="-100000" algn="bl" rotWithShape="0"/>
+          </a:effectLst>
+          <a:extLst>
+            <a:ext uri="{909E8E84-426E-40DD-AFC4-6F175D3DCCD1}">
+              <a14:hiddenFill xmlns:a14="http://schemas.microsoft.com/office/drawing/2010/main">
+                <a:solidFill>
+                  <a:srgbClr val="FFFFFF"/>
+                </a:solidFill>
+              </a14:hiddenFill>
+            </a:ext>
+          </a:extLst>
         </p:spPr>
       </p:pic>
     </p:spTree>
@@ -8573,7 +8507,7 @@
 </file>
 
 <file path=ppt/slides/slide8.xml><?xml version="1.0" encoding="utf-8"?>
-<p:sld xmlns:a="http://schemas.openxmlformats.org/drawingml/2006/main" xmlns:r="http://schemas.openxmlformats.org/officeDocument/2006/relationships" xmlns:p="http://schemas.openxmlformats.org/presentationml/2006/main">
+<p:sld xmlns:a="http://schemas.openxmlformats.org/drawingml/2006/main" xmlns:r="http://schemas.openxmlformats.org/officeDocument/2006/relationships" xmlns:p="http://schemas.openxmlformats.org/presentationml/2006/main" show="0">
   <p:cSld>
     <p:spTree>
       <p:nvGrpSpPr>
@@ -8941,6 +8875,14 @@
   <p:clrMapOvr>
     <a:masterClrMapping/>
   </p:clrMapOvr>
+  <mc:AlternateContent xmlns:mc="http://schemas.openxmlformats.org/markup-compatibility/2006">
+    <mc:Choice xmlns:p14="http://schemas.microsoft.com/office/powerpoint/2010/main" Requires="p14">
+      <p:transition spd="slow" p14:dur="2000"/>
+    </mc:Choice>
+    <mc:Fallback>
+      <p:transition spd="slow"/>
+    </mc:Fallback>
+  </mc:AlternateContent>
   <p:timing>
     <p:tnLst>
       <p:par>
